--- a/答辩ppt.pptx
+++ b/答辩ppt.pptx
@@ -8,6 +8,8 @@
     <p:sldId id="256" r:id="rId2"/>
     <p:sldId id="257" r:id="rId3"/>
     <p:sldId id="258" r:id="rId4"/>
+    <p:sldId id="259" r:id="rId5"/>
+    <p:sldId id="260" r:id="rId6"/>
   </p:sldIdLst>
   <p:sldSz cx="12192000" cy="6858000"/>
   <p:notesSz cx="6858000" cy="9144000"/>
@@ -106,6 +108,11 @@
       </a:defRPr>
     </a:lvl9pPr>
   </p:defaultTextStyle>
+  <p:extLst>
+    <p:ext uri="{EFAFB233-063F-42B5-8137-9DF3F51BA10A}">
+      <p15:sldGuideLst xmlns:p15="http://schemas.microsoft.com/office/powerpoint/2012/main"/>
+    </p:ext>
+  </p:extLst>
 </p:presentation>
 </file>
 
@@ -3410,6 +3417,13 @@
           <a:p>
             <a:r>
               <a:rPr lang="zh-CN" altLang="en-US" dirty="0"/>
+              <a:t>指导老师 胡兵</a:t>
+            </a:r>
+            <a:endParaRPr lang="en-US" altLang="zh-CN" dirty="0"/>
+          </a:p>
+          <a:p>
+            <a:r>
+              <a:rPr lang="zh-CN" altLang="en-US" dirty="0"/>
               <a:t>软件</a:t>
             </a:r>
             <a:r>
@@ -3631,6 +3645,192 @@
     <p:extLst>
       <p:ext uri="{BB962C8B-B14F-4D97-AF65-F5344CB8AC3E}">
         <p14:creationId xmlns:p14="http://schemas.microsoft.com/office/powerpoint/2010/main" val="3011815990"/>
+      </p:ext>
+    </p:extLst>
+  </p:cSld>
+  <p:clrMapOvr>
+    <a:masterClrMapping/>
+  </p:clrMapOvr>
+</p:sld>
+</file>
+
+<file path=ppt/slides/slide4.xml><?xml version="1.0" encoding="utf-8"?>
+<p:sld xmlns:a="http://schemas.openxmlformats.org/drawingml/2006/main" xmlns:r="http://schemas.openxmlformats.org/officeDocument/2006/relationships" xmlns:p="http://schemas.openxmlformats.org/presentationml/2006/main">
+  <p:cSld>
+    <p:spTree>
+      <p:nvGrpSpPr>
+        <p:cNvPr id="1" name=""/>
+        <p:cNvGrpSpPr/>
+        <p:nvPr/>
+      </p:nvGrpSpPr>
+      <p:grpSpPr>
+        <a:xfrm>
+          <a:off x="0" y="0"/>
+          <a:ext cx="0" cy="0"/>
+          <a:chOff x="0" y="0"/>
+          <a:chExt cx="0" cy="0"/>
+        </a:xfrm>
+      </p:grpSpPr>
+      <p:sp>
+        <p:nvSpPr>
+          <p:cNvPr id="2" name="标题 1">
+            <a:extLst>
+              <a:ext uri="{FF2B5EF4-FFF2-40B4-BE49-F238E27FC236}">
+                <a16:creationId xmlns:a16="http://schemas.microsoft.com/office/drawing/2014/main" id="{401A7362-26C0-4BE1-A804-ECF1BA249808}"/>
+              </a:ext>
+            </a:extLst>
+          </p:cNvPr>
+          <p:cNvSpPr>
+            <a:spLocks noGrp="1"/>
+          </p:cNvSpPr>
+          <p:nvPr>
+            <p:ph type="title"/>
+          </p:nvPr>
+        </p:nvSpPr>
+        <p:spPr/>
+        <p:txBody>
+          <a:bodyPr/>
+          <a:lstStyle/>
+          <a:p>
+            <a:r>
+              <a:rPr lang="zh-CN" altLang="en-US" dirty="0"/>
+              <a:t>系统架构图</a:t>
+            </a:r>
+          </a:p>
+        </p:txBody>
+      </p:sp>
+      <p:pic>
+        <p:nvPicPr>
+          <p:cNvPr id="4" name="内容占位符 3" descr="图形用户界面&#10;&#10;描述已自动生成">
+            <a:extLst>
+              <a:ext uri="{FF2B5EF4-FFF2-40B4-BE49-F238E27FC236}">
+                <a16:creationId xmlns:a16="http://schemas.microsoft.com/office/drawing/2014/main" id="{0AB86A32-1246-4A85-AB07-574CCFEF5948}"/>
+              </a:ext>
+            </a:extLst>
+          </p:cNvPr>
+          <p:cNvPicPr>
+            <a:picLocks noGrp="1"/>
+          </p:cNvPicPr>
+          <p:nvPr>
+            <p:ph idx="1"/>
+          </p:nvPr>
+        </p:nvPicPr>
+        <p:blipFill>
+          <a:blip r:embed="rId2">
+            <a:extLst>
+              <a:ext uri="{28A0092B-C50C-407E-A947-70E740481C1C}">
+                <a14:useLocalDpi xmlns:a14="http://schemas.microsoft.com/office/drawing/2010/main" val="0"/>
+              </a:ext>
+            </a:extLst>
+          </a:blip>
+          <a:stretch>
+            <a:fillRect/>
+          </a:stretch>
+        </p:blipFill>
+        <p:spPr>
+          <a:xfrm>
+            <a:off x="2728443" y="1825625"/>
+            <a:ext cx="6735114" cy="4351338"/>
+          </a:xfrm>
+          <a:prstGeom prst="rect">
+            <a:avLst/>
+          </a:prstGeom>
+        </p:spPr>
+      </p:pic>
+    </p:spTree>
+    <p:extLst>
+      <p:ext uri="{BB962C8B-B14F-4D97-AF65-F5344CB8AC3E}">
+        <p14:creationId xmlns:p14="http://schemas.microsoft.com/office/powerpoint/2010/main" val="2587740658"/>
+      </p:ext>
+    </p:extLst>
+  </p:cSld>
+  <p:clrMapOvr>
+    <a:masterClrMapping/>
+  </p:clrMapOvr>
+</p:sld>
+</file>
+
+<file path=ppt/slides/slide5.xml><?xml version="1.0" encoding="utf-8"?>
+<p:sld xmlns:a="http://schemas.openxmlformats.org/drawingml/2006/main" xmlns:r="http://schemas.openxmlformats.org/officeDocument/2006/relationships" xmlns:p="http://schemas.openxmlformats.org/presentationml/2006/main">
+  <p:cSld>
+    <p:spTree>
+      <p:nvGrpSpPr>
+        <p:cNvPr id="1" name=""/>
+        <p:cNvGrpSpPr/>
+        <p:nvPr/>
+      </p:nvGrpSpPr>
+      <p:grpSpPr>
+        <a:xfrm>
+          <a:off x="0" y="0"/>
+          <a:ext cx="0" cy="0"/>
+          <a:chOff x="0" y="0"/>
+          <a:chExt cx="0" cy="0"/>
+        </a:xfrm>
+      </p:grpSpPr>
+      <p:sp>
+        <p:nvSpPr>
+          <p:cNvPr id="2" name="标题 1">
+            <a:extLst>
+              <a:ext uri="{FF2B5EF4-FFF2-40B4-BE49-F238E27FC236}">
+                <a16:creationId xmlns:a16="http://schemas.microsoft.com/office/drawing/2014/main" id="{333B1AAA-0E14-4DEE-86EF-FA7DBA4FAA2E}"/>
+              </a:ext>
+            </a:extLst>
+          </p:cNvPr>
+          <p:cNvSpPr>
+            <a:spLocks noGrp="1"/>
+          </p:cNvSpPr>
+          <p:nvPr>
+            <p:ph type="title"/>
+          </p:nvPr>
+        </p:nvSpPr>
+        <p:spPr/>
+        <p:txBody>
+          <a:bodyPr/>
+          <a:lstStyle/>
+          <a:p>
+            <a:r>
+              <a:rPr lang="zh-CN" altLang="en-US" dirty="0"/>
+              <a:t>模板构建流程</a:t>
+            </a:r>
+          </a:p>
+        </p:txBody>
+      </p:sp>
+      <p:pic>
+        <p:nvPicPr>
+          <p:cNvPr id="4" name="内容占位符 3">
+            <a:extLst>
+              <a:ext uri="{FF2B5EF4-FFF2-40B4-BE49-F238E27FC236}">
+                <a16:creationId xmlns:a16="http://schemas.microsoft.com/office/drawing/2014/main" id="{632B8928-F9BF-489A-98F3-80C5DE7FD4E3}"/>
+              </a:ext>
+            </a:extLst>
+          </p:cNvPr>
+          <p:cNvPicPr>
+            <a:picLocks noGrp="1"/>
+          </p:cNvPicPr>
+          <p:nvPr>
+            <p:ph idx="1"/>
+          </p:nvPr>
+        </p:nvPicPr>
+        <p:blipFill>
+          <a:blip r:embed="rId2"/>
+          <a:stretch>
+            <a:fillRect/>
+          </a:stretch>
+        </p:blipFill>
+        <p:spPr>
+          <a:xfrm>
+            <a:off x="1241657" y="1815560"/>
+            <a:ext cx="3714286" cy="4066667"/>
+          </a:xfrm>
+          <a:prstGeom prst="rect">
+            <a:avLst/>
+          </a:prstGeom>
+        </p:spPr>
+      </p:pic>
+    </p:spTree>
+    <p:extLst>
+      <p:ext uri="{BB962C8B-B14F-4D97-AF65-F5344CB8AC3E}">
+        <p14:creationId xmlns:p14="http://schemas.microsoft.com/office/powerpoint/2010/main" val="3535148595"/>
       </p:ext>
     </p:extLst>
   </p:cSld>
